--- a/Project 1 Presentation.pptx
+++ b/Project 1 Presentation.pptx
@@ -7,20 +7,21 @@
   <p:sldIdLst>
     <p:sldId id="256" r:id="rId2"/>
     <p:sldId id="257" r:id="rId3"/>
-    <p:sldId id="270" r:id="rId4"/>
-    <p:sldId id="258" r:id="rId5"/>
-    <p:sldId id="259" r:id="rId6"/>
-    <p:sldId id="260" r:id="rId7"/>
-    <p:sldId id="261" r:id="rId8"/>
-    <p:sldId id="262" r:id="rId9"/>
-    <p:sldId id="263" r:id="rId10"/>
-    <p:sldId id="264" r:id="rId11"/>
-    <p:sldId id="265" r:id="rId12"/>
-    <p:sldId id="266" r:id="rId13"/>
-    <p:sldId id="267" r:id="rId14"/>
-    <p:sldId id="268" r:id="rId15"/>
-    <p:sldId id="271" r:id="rId16"/>
-    <p:sldId id="269" r:id="rId17"/>
+    <p:sldId id="272" r:id="rId4"/>
+    <p:sldId id="270" r:id="rId5"/>
+    <p:sldId id="258" r:id="rId6"/>
+    <p:sldId id="259" r:id="rId7"/>
+    <p:sldId id="260" r:id="rId8"/>
+    <p:sldId id="261" r:id="rId9"/>
+    <p:sldId id="262" r:id="rId10"/>
+    <p:sldId id="263" r:id="rId11"/>
+    <p:sldId id="264" r:id="rId12"/>
+    <p:sldId id="265" r:id="rId13"/>
+    <p:sldId id="266" r:id="rId14"/>
+    <p:sldId id="267" r:id="rId15"/>
+    <p:sldId id="268" r:id="rId16"/>
+    <p:sldId id="271" r:id="rId17"/>
+    <p:sldId id="269" r:id="rId18"/>
   </p:sldIdLst>
   <p:sldSz cx="12192000" cy="6858000"/>
   <p:notesSz cx="6858000" cy="9144000"/>
@@ -119,6 +120,11 @@
       </a:defRPr>
     </a:lvl9pPr>
   </p:defaultTextStyle>
+  <p:extLst>
+    <p:ext uri="{EFAFB233-063F-42B5-8137-9DF3F51BA10A}">
+      <p15:sldGuideLst xmlns:p15="http://schemas.microsoft.com/office/powerpoint/2012/main"/>
+    </p:ext>
+  </p:extLst>
 </p:presentation>
 </file>
 
@@ -3477,7 +3483,7 @@
           <p:cNvPr id="2" name="Title 1">
             <a:extLst>
               <a:ext uri="{FF2B5EF4-FFF2-40B4-BE49-F238E27FC236}">
-                <a16:creationId xmlns:a16="http://schemas.microsoft.com/office/drawing/2014/main" id="{EF7511F0-E0D0-8700-A328-ECA5AB43C4F9}"/>
+                <a16:creationId xmlns:a16="http://schemas.microsoft.com/office/drawing/2014/main" id="{331DA54E-0B9E-F2D0-4303-CCACD767110A}"/>
               </a:ext>
             </a:extLst>
           </p:cNvPr>
@@ -3493,10 +3499,7 @@
           <a:bodyPr/>
           <a:lstStyle/>
           <a:p>
-            <a:r>
-              <a:rPr lang="en-US" dirty="0"/>
-              <a:t>Stephanie</a:t>
-            </a:r>
+            <a:endParaRPr lang="en-US"/>
           </a:p>
         </p:txBody>
       </p:sp>
@@ -3505,7 +3508,7 @@
           <p:cNvPr id="3" name="Content Placeholder 2">
             <a:extLst>
               <a:ext uri="{FF2B5EF4-FFF2-40B4-BE49-F238E27FC236}">
-                <a16:creationId xmlns:a16="http://schemas.microsoft.com/office/drawing/2014/main" id="{528170A8-97EA-3B84-01CF-927989C09FCE}"/>
+                <a16:creationId xmlns:a16="http://schemas.microsoft.com/office/drawing/2014/main" id="{206D5757-8A61-1E6E-D1BA-16F91E14760A}"/>
               </a:ext>
             </a:extLst>
           </p:cNvPr>
@@ -3528,7 +3531,7 @@
     </p:spTree>
     <p:extLst>
       <p:ext uri="{BB962C8B-B14F-4D97-AF65-F5344CB8AC3E}">
-        <p14:creationId xmlns:p14="http://schemas.microsoft.com/office/powerpoint/2010/main" val="4239752201"/>
+        <p14:creationId xmlns:p14="http://schemas.microsoft.com/office/powerpoint/2010/main" val="468589497"/>
       </p:ext>
     </p:extLst>
   </p:cSld>
@@ -3560,7 +3563,7 @@
           <p:cNvPr id="2" name="Title 1">
             <a:extLst>
               <a:ext uri="{FF2B5EF4-FFF2-40B4-BE49-F238E27FC236}">
-                <a16:creationId xmlns:a16="http://schemas.microsoft.com/office/drawing/2014/main" id="{427C8479-3B5A-A30D-4D87-7B3729876F8A}"/>
+                <a16:creationId xmlns:a16="http://schemas.microsoft.com/office/drawing/2014/main" id="{EF7511F0-E0D0-8700-A328-ECA5AB43C4F9}"/>
               </a:ext>
             </a:extLst>
           </p:cNvPr>
@@ -3576,7 +3579,10 @@
           <a:bodyPr/>
           <a:lstStyle/>
           <a:p>
-            <a:endParaRPr lang="en-US"/>
+            <a:r>
+              <a:rPr lang="en-US" dirty="0"/>
+              <a:t>Stephanie</a:t>
+            </a:r>
           </a:p>
         </p:txBody>
       </p:sp>
@@ -3585,7 +3591,7 @@
           <p:cNvPr id="3" name="Content Placeholder 2">
             <a:extLst>
               <a:ext uri="{FF2B5EF4-FFF2-40B4-BE49-F238E27FC236}">
-                <a16:creationId xmlns:a16="http://schemas.microsoft.com/office/drawing/2014/main" id="{36FB3FCE-F269-F5F8-BA64-CCB0B07E4CFA}"/>
+                <a16:creationId xmlns:a16="http://schemas.microsoft.com/office/drawing/2014/main" id="{528170A8-97EA-3B84-01CF-927989C09FCE}"/>
               </a:ext>
             </a:extLst>
           </p:cNvPr>
@@ -3608,7 +3614,7 @@
     </p:spTree>
     <p:extLst>
       <p:ext uri="{BB962C8B-B14F-4D97-AF65-F5344CB8AC3E}">
-        <p14:creationId xmlns:p14="http://schemas.microsoft.com/office/powerpoint/2010/main" val="2679228088"/>
+        <p14:creationId xmlns:p14="http://schemas.microsoft.com/office/powerpoint/2010/main" val="4239752201"/>
       </p:ext>
     </p:extLst>
   </p:cSld>
@@ -3640,7 +3646,7 @@
           <p:cNvPr id="2" name="Title 1">
             <a:extLst>
               <a:ext uri="{FF2B5EF4-FFF2-40B4-BE49-F238E27FC236}">
-                <a16:creationId xmlns:a16="http://schemas.microsoft.com/office/drawing/2014/main" id="{E60D9C0B-59EB-518B-F734-2B937FE4DFE0}"/>
+                <a16:creationId xmlns:a16="http://schemas.microsoft.com/office/drawing/2014/main" id="{427C8479-3B5A-A30D-4D87-7B3729876F8A}"/>
               </a:ext>
             </a:extLst>
           </p:cNvPr>
@@ -3665,7 +3671,7 @@
           <p:cNvPr id="3" name="Content Placeholder 2">
             <a:extLst>
               <a:ext uri="{FF2B5EF4-FFF2-40B4-BE49-F238E27FC236}">
-                <a16:creationId xmlns:a16="http://schemas.microsoft.com/office/drawing/2014/main" id="{E2FD0BBE-F2A4-C4CE-4FBC-A63A7D28AADC}"/>
+                <a16:creationId xmlns:a16="http://schemas.microsoft.com/office/drawing/2014/main" id="{36FB3FCE-F269-F5F8-BA64-CCB0B07E4CFA}"/>
               </a:ext>
             </a:extLst>
           </p:cNvPr>
@@ -3688,7 +3694,7 @@
     </p:spTree>
     <p:extLst>
       <p:ext uri="{BB962C8B-B14F-4D97-AF65-F5344CB8AC3E}">
-        <p14:creationId xmlns:p14="http://schemas.microsoft.com/office/powerpoint/2010/main" val="1613210087"/>
+        <p14:creationId xmlns:p14="http://schemas.microsoft.com/office/powerpoint/2010/main" val="2679228088"/>
       </p:ext>
     </p:extLst>
   </p:cSld>
@@ -3720,7 +3726,7 @@
           <p:cNvPr id="2" name="Title 1">
             <a:extLst>
               <a:ext uri="{FF2B5EF4-FFF2-40B4-BE49-F238E27FC236}">
-                <a16:creationId xmlns:a16="http://schemas.microsoft.com/office/drawing/2014/main" id="{845FB352-9888-30F3-9B97-7A06CFD3A798}"/>
+                <a16:creationId xmlns:a16="http://schemas.microsoft.com/office/drawing/2014/main" id="{E60D9C0B-59EB-518B-F734-2B937FE4DFE0}"/>
               </a:ext>
             </a:extLst>
           </p:cNvPr>
@@ -3736,10 +3742,7 @@
           <a:bodyPr/>
           <a:lstStyle/>
           <a:p>
-            <a:r>
-              <a:rPr lang="en-US" dirty="0"/>
-              <a:t>Johnny</a:t>
-            </a:r>
+            <a:endParaRPr lang="en-US"/>
           </a:p>
         </p:txBody>
       </p:sp>
@@ -3748,7 +3751,7 @@
           <p:cNvPr id="3" name="Content Placeholder 2">
             <a:extLst>
               <a:ext uri="{FF2B5EF4-FFF2-40B4-BE49-F238E27FC236}">
-                <a16:creationId xmlns:a16="http://schemas.microsoft.com/office/drawing/2014/main" id="{D0713E1C-AD06-A633-57C6-0A91A1A88DFB}"/>
+                <a16:creationId xmlns:a16="http://schemas.microsoft.com/office/drawing/2014/main" id="{E2FD0BBE-F2A4-C4CE-4FBC-A63A7D28AADC}"/>
               </a:ext>
             </a:extLst>
           </p:cNvPr>
@@ -3771,7 +3774,7 @@
     </p:spTree>
     <p:extLst>
       <p:ext uri="{BB962C8B-B14F-4D97-AF65-F5344CB8AC3E}">
-        <p14:creationId xmlns:p14="http://schemas.microsoft.com/office/powerpoint/2010/main" val="1479022327"/>
+        <p14:creationId xmlns:p14="http://schemas.microsoft.com/office/powerpoint/2010/main" val="1613210087"/>
       </p:ext>
     </p:extLst>
   </p:cSld>
@@ -3803,7 +3806,7 @@
           <p:cNvPr id="2" name="Title 1">
             <a:extLst>
               <a:ext uri="{FF2B5EF4-FFF2-40B4-BE49-F238E27FC236}">
-                <a16:creationId xmlns:a16="http://schemas.microsoft.com/office/drawing/2014/main" id="{18D722EF-45C4-FD9D-64D8-32C1FCD26D04}"/>
+                <a16:creationId xmlns:a16="http://schemas.microsoft.com/office/drawing/2014/main" id="{845FB352-9888-30F3-9B97-7A06CFD3A798}"/>
               </a:ext>
             </a:extLst>
           </p:cNvPr>
@@ -3819,7 +3822,10 @@
           <a:bodyPr/>
           <a:lstStyle/>
           <a:p>
-            <a:endParaRPr lang="en-US"/>
+            <a:r>
+              <a:rPr lang="en-US" dirty="0"/>
+              <a:t>Johnny</a:t>
+            </a:r>
           </a:p>
         </p:txBody>
       </p:sp>
@@ -3828,7 +3834,7 @@
           <p:cNvPr id="3" name="Content Placeholder 2">
             <a:extLst>
               <a:ext uri="{FF2B5EF4-FFF2-40B4-BE49-F238E27FC236}">
-                <a16:creationId xmlns:a16="http://schemas.microsoft.com/office/drawing/2014/main" id="{BA233918-86F3-AC4E-3EE7-1B59B49827EA}"/>
+                <a16:creationId xmlns:a16="http://schemas.microsoft.com/office/drawing/2014/main" id="{D0713E1C-AD06-A633-57C6-0A91A1A88DFB}"/>
               </a:ext>
             </a:extLst>
           </p:cNvPr>
@@ -3851,7 +3857,7 @@
     </p:spTree>
     <p:extLst>
       <p:ext uri="{BB962C8B-B14F-4D97-AF65-F5344CB8AC3E}">
-        <p14:creationId xmlns:p14="http://schemas.microsoft.com/office/powerpoint/2010/main" val="1881821554"/>
+        <p14:creationId xmlns:p14="http://schemas.microsoft.com/office/powerpoint/2010/main" val="1479022327"/>
       </p:ext>
     </p:extLst>
   </p:cSld>
@@ -3883,6 +3889,86 @@
           <p:cNvPr id="2" name="Title 1">
             <a:extLst>
               <a:ext uri="{FF2B5EF4-FFF2-40B4-BE49-F238E27FC236}">
+                <a16:creationId xmlns:a16="http://schemas.microsoft.com/office/drawing/2014/main" id="{18D722EF-45C4-FD9D-64D8-32C1FCD26D04}"/>
+              </a:ext>
+            </a:extLst>
+          </p:cNvPr>
+          <p:cNvSpPr>
+            <a:spLocks noGrp="1"/>
+          </p:cNvSpPr>
+          <p:nvPr>
+            <p:ph type="title"/>
+          </p:nvPr>
+        </p:nvSpPr>
+        <p:spPr/>
+        <p:txBody>
+          <a:bodyPr/>
+          <a:lstStyle/>
+          <a:p>
+            <a:endParaRPr lang="en-US"/>
+          </a:p>
+        </p:txBody>
+      </p:sp>
+      <p:sp>
+        <p:nvSpPr>
+          <p:cNvPr id="3" name="Content Placeholder 2">
+            <a:extLst>
+              <a:ext uri="{FF2B5EF4-FFF2-40B4-BE49-F238E27FC236}">
+                <a16:creationId xmlns:a16="http://schemas.microsoft.com/office/drawing/2014/main" id="{BA233918-86F3-AC4E-3EE7-1B59B49827EA}"/>
+              </a:ext>
+            </a:extLst>
+          </p:cNvPr>
+          <p:cNvSpPr>
+            <a:spLocks noGrp="1"/>
+          </p:cNvSpPr>
+          <p:nvPr>
+            <p:ph idx="1"/>
+          </p:nvPr>
+        </p:nvSpPr>
+        <p:spPr/>
+        <p:txBody>
+          <a:bodyPr/>
+          <a:lstStyle/>
+          <a:p>
+            <a:endParaRPr lang="en-US"/>
+          </a:p>
+        </p:txBody>
+      </p:sp>
+    </p:spTree>
+    <p:extLst>
+      <p:ext uri="{BB962C8B-B14F-4D97-AF65-F5344CB8AC3E}">
+        <p14:creationId xmlns:p14="http://schemas.microsoft.com/office/powerpoint/2010/main" val="1881821554"/>
+      </p:ext>
+    </p:extLst>
+  </p:cSld>
+  <p:clrMapOvr>
+    <a:masterClrMapping/>
+  </p:clrMapOvr>
+</p:sld>
+</file>
+
+<file path=ppt/slides/slide16.xml><?xml version="1.0" encoding="utf-8"?>
+<p:sld xmlns:a="http://schemas.openxmlformats.org/drawingml/2006/main" xmlns:r="http://schemas.openxmlformats.org/officeDocument/2006/relationships" xmlns:p="http://schemas.openxmlformats.org/presentationml/2006/main">
+  <p:cSld>
+    <p:spTree>
+      <p:nvGrpSpPr>
+        <p:cNvPr id="1" name=""/>
+        <p:cNvGrpSpPr/>
+        <p:nvPr/>
+      </p:nvGrpSpPr>
+      <p:grpSpPr>
+        <a:xfrm>
+          <a:off x="0" y="0"/>
+          <a:ext cx="0" cy="0"/>
+          <a:chOff x="0" y="0"/>
+          <a:chExt cx="0" cy="0"/>
+        </a:xfrm>
+      </p:grpSpPr>
+      <p:sp>
+        <p:nvSpPr>
+          <p:cNvPr id="2" name="Title 1">
+            <a:extLst>
+              <a:ext uri="{FF2B5EF4-FFF2-40B4-BE49-F238E27FC236}">
                 <a16:creationId xmlns:a16="http://schemas.microsoft.com/office/drawing/2014/main" id="{C158B44B-A48C-7847-46E4-41AF5E358A26}"/>
               </a:ext>
             </a:extLst>
@@ -3941,7 +4027,7 @@
 </p:sld>
 </file>
 
-<file path=ppt/slides/slide16.xml><?xml version="1.0" encoding="utf-8"?>
+<file path=ppt/slides/slide17.xml><?xml version="1.0" encoding="utf-8"?>
 <p:sld xmlns:a="http://schemas.openxmlformats.org/drawingml/2006/main" xmlns:r="http://schemas.openxmlformats.org/officeDocument/2006/relationships" xmlns:p="http://schemas.openxmlformats.org/presentationml/2006/main">
   <p:cSld>
     <p:spTree>
@@ -4220,7 +4306,7 @@
           <p:cNvPr id="2" name="Title 1">
             <a:extLst>
               <a:ext uri="{FF2B5EF4-FFF2-40B4-BE49-F238E27FC236}">
-                <a16:creationId xmlns:a16="http://schemas.microsoft.com/office/drawing/2014/main" id="{2A020968-2FEF-6E7B-E801-D7300824C718}"/>
+                <a16:creationId xmlns:a16="http://schemas.microsoft.com/office/drawing/2014/main" id="{81BC5607-16EB-4A00-12A5-E7DACC94F327}"/>
               </a:ext>
             </a:extLst>
           </p:cNvPr>
@@ -4233,10 +4319,21 @@
         </p:nvSpPr>
         <p:spPr/>
         <p:txBody>
-          <a:bodyPr/>
-          <a:lstStyle/>
-          <a:p>
-            <a:endParaRPr lang="en-US"/>
+          <a:bodyPr>
+            <a:normAutofit fontScale="90000"/>
+          </a:bodyPr>
+          <a:lstStyle/>
+          <a:p>
+            <a:r>
+              <a:rPr lang="en-US" sz="4400" kern="100" dirty="0">
+                <a:effectLst/>
+                <a:latin typeface="Calibri" panose="020F0502020204030204" pitchFamily="34" charset="0"/>
+                <a:ea typeface="Calibri" panose="020F0502020204030204" pitchFamily="34" charset="0"/>
+                <a:cs typeface="Times New Roman" panose="02020603050405020304" pitchFamily="18" charset="0"/>
+              </a:rPr>
+              <a:t>Consumer Behavior and Shopping Habits Dataset: E-Commerce Transaction Trends: A Comprehensive Dataset</a:t>
+            </a:r>
+            <a:endParaRPr lang="en-US" dirty="0"/>
           </a:p>
         </p:txBody>
       </p:sp>
@@ -4245,7 +4342,7 @@
           <p:cNvPr id="3" name="Content Placeholder 2">
             <a:extLst>
               <a:ext uri="{FF2B5EF4-FFF2-40B4-BE49-F238E27FC236}">
-                <a16:creationId xmlns:a16="http://schemas.microsoft.com/office/drawing/2014/main" id="{418D1932-4C48-8014-E16E-8A827635E962}"/>
+                <a16:creationId xmlns:a16="http://schemas.microsoft.com/office/drawing/2014/main" id="{ECAC4FE6-73A8-1380-1F35-D466563F32AE}"/>
               </a:ext>
             </a:extLst>
           </p:cNvPr>
@@ -4258,17 +4355,130 @@
         </p:nvSpPr>
         <p:spPr/>
         <p:txBody>
-          <a:bodyPr/>
-          <a:lstStyle/>
-          <a:p>
-            <a:endParaRPr lang="en-US"/>
+          <a:bodyPr>
+            <a:normAutofit/>
+          </a:bodyPr>
+          <a:lstStyle/>
+          <a:p>
+            <a:pPr marL="0" indent="0">
+              <a:buNone/>
+            </a:pPr>
+            <a:endParaRPr lang="en-US" sz="1800" kern="100" dirty="0">
+              <a:effectLst/>
+              <a:latin typeface="Calibri" panose="020F0502020204030204" pitchFamily="34" charset="0"/>
+              <a:ea typeface="Calibri" panose="020F0502020204030204" pitchFamily="34" charset="0"/>
+              <a:cs typeface="Times New Roman" panose="02020603050405020304" pitchFamily="18" charset="0"/>
+            </a:endParaRPr>
+          </a:p>
+          <a:p>
+            <a:pPr marL="0" indent="0">
+              <a:buNone/>
+            </a:pPr>
+            <a:r>
+              <a:rPr lang="en-US" sz="3500" kern="100" dirty="0">
+                <a:effectLst/>
+                <a:latin typeface="Calibri" panose="020F0502020204030204" pitchFamily="34" charset="0"/>
+                <a:ea typeface="Calibri" panose="020F0502020204030204" pitchFamily="34" charset="0"/>
+                <a:cs typeface="Times New Roman" panose="02020603050405020304" pitchFamily="18" charset="0"/>
+              </a:rPr>
+              <a:t>Dataset Information:</a:t>
+            </a:r>
+          </a:p>
+          <a:p>
+            <a:pPr marL="0" indent="0">
+              <a:buNone/>
+            </a:pPr>
+            <a:r>
+              <a:rPr lang="en-US" sz="1800" kern="100" dirty="0">
+                <a:latin typeface="Calibri" panose="020F0502020204030204" pitchFamily="34" charset="0"/>
+                <a:ea typeface="Calibri" panose="020F0502020204030204" pitchFamily="34" charset="0"/>
+                <a:cs typeface="Times New Roman" panose="02020603050405020304" pitchFamily="18" charset="0"/>
+              </a:rPr>
+              <a:t>- This dataset has shopping information for 3899 consumers.</a:t>
+            </a:r>
+          </a:p>
+          <a:p>
+            <a:pPr marL="0" indent="0">
+              <a:buNone/>
+            </a:pPr>
+            <a:r>
+              <a:rPr lang="en-US" sz="1800" kern="100" dirty="0">
+                <a:latin typeface="Calibri" panose="020F0502020204030204" pitchFamily="34" charset="0"/>
+                <a:ea typeface="Calibri" panose="020F0502020204030204" pitchFamily="34" charset="0"/>
+                <a:cs typeface="Times New Roman" panose="02020603050405020304" pitchFamily="18" charset="0"/>
+              </a:rPr>
+              <a:t>- Here is a list of the categories in the dataset:</a:t>
+            </a:r>
+          </a:p>
+          <a:p>
+            <a:pPr marL="0" indent="0">
+              <a:buNone/>
+            </a:pPr>
+            <a:r>
+              <a:rPr lang="en-US" sz="1800" kern="100" dirty="0">
+                <a:latin typeface="Calibri" panose="020F0502020204030204" pitchFamily="34" charset="0"/>
+                <a:ea typeface="Calibri" panose="020F0502020204030204" pitchFamily="34" charset="0"/>
+                <a:cs typeface="Times New Roman" panose="02020603050405020304" pitchFamily="18" charset="0"/>
+              </a:rPr>
+              <a:t>Age, Gender, Item Purchased, Item Category, Purchase Amount (USD), Location, Size, Color, Season, Review Rating, Subscription, Shipping Type, Discount Applied, Promo Code, Previous Purchase, Payment Method, and Frequency of Purchases</a:t>
+            </a:r>
+          </a:p>
+          <a:p>
+            <a:pPr marL="0" indent="0">
+              <a:buNone/>
+            </a:pPr>
+            <a:endParaRPr lang="en-US" sz="1800" kern="100" dirty="0">
+              <a:effectLst/>
+              <a:latin typeface="Calibri" panose="020F0502020204030204" pitchFamily="34" charset="0"/>
+              <a:ea typeface="Calibri" panose="020F0502020204030204" pitchFamily="34" charset="0"/>
+              <a:cs typeface="Times New Roman" panose="02020603050405020304" pitchFamily="18" charset="0"/>
+            </a:endParaRPr>
+          </a:p>
+          <a:p>
+            <a:pPr marL="0" indent="0">
+              <a:buNone/>
+            </a:pPr>
+            <a:r>
+              <a:rPr lang="en-US" sz="1800" kern="100" dirty="0">
+                <a:effectLst/>
+                <a:latin typeface="Calibri" panose="020F0502020204030204" pitchFamily="34" charset="0"/>
+                <a:ea typeface="Calibri" panose="020F0502020204030204" pitchFamily="34" charset="0"/>
+                <a:cs typeface="Times New Roman" panose="02020603050405020304" pitchFamily="18" charset="0"/>
+              </a:rPr>
+              <a:t>Solver, Z. “Consumer Behavior and Shopping Habits Dataset: E-Commerce Transaction Trends: A Comprehensive Dataset.” Assessed October 26, 2023. </a:t>
+            </a:r>
+            <a:r>
+              <a:rPr lang="en-US" sz="1800" u="sng" kern="100" dirty="0">
+                <a:solidFill>
+                  <a:srgbClr val="0563C1"/>
+                </a:solidFill>
+                <a:effectLst/>
+                <a:latin typeface="Calibri" panose="020F0502020204030204" pitchFamily="34" charset="0"/>
+                <a:ea typeface="Calibri" panose="020F0502020204030204" pitchFamily="34" charset="0"/>
+                <a:cs typeface="Times New Roman" panose="02020603050405020304" pitchFamily="18" charset="0"/>
+                <a:hlinkClick r:id="rId2"/>
+              </a:rPr>
+              <a:t>https://www.kaggle.com/datasets/zeesolver/consumer-behavior-and-shopping-habits-dataset</a:t>
+            </a:r>
+            <a:endParaRPr lang="en-US" sz="1800" kern="100" dirty="0">
+              <a:effectLst/>
+              <a:latin typeface="Calibri" panose="020F0502020204030204" pitchFamily="34" charset="0"/>
+              <a:ea typeface="Calibri" panose="020F0502020204030204" pitchFamily="34" charset="0"/>
+              <a:cs typeface="Times New Roman" panose="02020603050405020304" pitchFamily="18" charset="0"/>
+            </a:endParaRPr>
+          </a:p>
+          <a:p>
+            <a:pPr marL="0" indent="0">
+              <a:buNone/>
+            </a:pPr>
+            <a:endParaRPr lang="en-US" dirty="0"/>
           </a:p>
         </p:txBody>
       </p:sp>
     </p:spTree>
     <p:extLst>
       <p:ext uri="{BB962C8B-B14F-4D97-AF65-F5344CB8AC3E}">
-        <p14:creationId xmlns:p14="http://schemas.microsoft.com/office/powerpoint/2010/main" val="1336091985"/>
+        <p14:creationId xmlns:p14="http://schemas.microsoft.com/office/powerpoint/2010/main" val="3124555800"/>
       </p:ext>
     </p:extLst>
   </p:cSld>
@@ -4300,7 +4510,7 @@
           <p:cNvPr id="2" name="Title 1">
             <a:extLst>
               <a:ext uri="{FF2B5EF4-FFF2-40B4-BE49-F238E27FC236}">
-                <a16:creationId xmlns:a16="http://schemas.microsoft.com/office/drawing/2014/main" id="{5B77754B-C8CF-5ECB-20CB-9EAC161FA557}"/>
+                <a16:creationId xmlns:a16="http://schemas.microsoft.com/office/drawing/2014/main" id="{2A020968-2FEF-6E7B-E801-D7300824C718}"/>
               </a:ext>
             </a:extLst>
           </p:cNvPr>
@@ -4316,11 +4526,7 @@
           <a:bodyPr/>
           <a:lstStyle/>
           <a:p>
-            <a:r>
-              <a:rPr lang="en-US" dirty="0" err="1"/>
-              <a:t>Abrea</a:t>
-            </a:r>
-            <a:endParaRPr lang="en-US" dirty="0"/>
+            <a:endParaRPr lang="en-US"/>
           </a:p>
         </p:txBody>
       </p:sp>
@@ -4329,7 +4535,7 @@
           <p:cNvPr id="3" name="Content Placeholder 2">
             <a:extLst>
               <a:ext uri="{FF2B5EF4-FFF2-40B4-BE49-F238E27FC236}">
-                <a16:creationId xmlns:a16="http://schemas.microsoft.com/office/drawing/2014/main" id="{290A846E-FE3F-5971-0051-866174892FED}"/>
+                <a16:creationId xmlns:a16="http://schemas.microsoft.com/office/drawing/2014/main" id="{418D1932-4C48-8014-E16E-8A827635E962}"/>
               </a:ext>
             </a:extLst>
           </p:cNvPr>
@@ -4352,7 +4558,7 @@
     </p:spTree>
     <p:extLst>
       <p:ext uri="{BB962C8B-B14F-4D97-AF65-F5344CB8AC3E}">
-        <p14:creationId xmlns:p14="http://schemas.microsoft.com/office/powerpoint/2010/main" val="598087031"/>
+        <p14:creationId xmlns:p14="http://schemas.microsoft.com/office/powerpoint/2010/main" val="1336091985"/>
       </p:ext>
     </p:extLst>
   </p:cSld>
@@ -4384,7 +4590,7 @@
           <p:cNvPr id="2" name="Title 1">
             <a:extLst>
               <a:ext uri="{FF2B5EF4-FFF2-40B4-BE49-F238E27FC236}">
-                <a16:creationId xmlns:a16="http://schemas.microsoft.com/office/drawing/2014/main" id="{5E68A384-F355-A91B-C778-1481CBDA3E11}"/>
+                <a16:creationId xmlns:a16="http://schemas.microsoft.com/office/drawing/2014/main" id="{5B77754B-C8CF-5ECB-20CB-9EAC161FA557}"/>
               </a:ext>
             </a:extLst>
           </p:cNvPr>
@@ -4400,7 +4606,11 @@
           <a:bodyPr/>
           <a:lstStyle/>
           <a:p>
-            <a:endParaRPr lang="en-US"/>
+            <a:r>
+              <a:rPr lang="en-US" dirty="0" err="1"/>
+              <a:t>Abrea</a:t>
+            </a:r>
+            <a:endParaRPr lang="en-US" dirty="0"/>
           </a:p>
         </p:txBody>
       </p:sp>
@@ -4409,7 +4619,7 @@
           <p:cNvPr id="3" name="Content Placeholder 2">
             <a:extLst>
               <a:ext uri="{FF2B5EF4-FFF2-40B4-BE49-F238E27FC236}">
-                <a16:creationId xmlns:a16="http://schemas.microsoft.com/office/drawing/2014/main" id="{50D9106C-B8E8-DB1A-C65B-08F7CBFC5F79}"/>
+                <a16:creationId xmlns:a16="http://schemas.microsoft.com/office/drawing/2014/main" id="{290A846E-FE3F-5971-0051-866174892FED}"/>
               </a:ext>
             </a:extLst>
           </p:cNvPr>
@@ -4432,7 +4642,7 @@
     </p:spTree>
     <p:extLst>
       <p:ext uri="{BB962C8B-B14F-4D97-AF65-F5344CB8AC3E}">
-        <p14:creationId xmlns:p14="http://schemas.microsoft.com/office/powerpoint/2010/main" val="2441536908"/>
+        <p14:creationId xmlns:p14="http://schemas.microsoft.com/office/powerpoint/2010/main" val="598087031"/>
       </p:ext>
     </p:extLst>
   </p:cSld>
@@ -4464,7 +4674,7 @@
           <p:cNvPr id="2" name="Title 1">
             <a:extLst>
               <a:ext uri="{FF2B5EF4-FFF2-40B4-BE49-F238E27FC236}">
-                <a16:creationId xmlns:a16="http://schemas.microsoft.com/office/drawing/2014/main" id="{DD5E1851-C12A-4DF7-AF15-25892EFF3CEE}"/>
+                <a16:creationId xmlns:a16="http://schemas.microsoft.com/office/drawing/2014/main" id="{5E68A384-F355-A91B-C778-1481CBDA3E11}"/>
               </a:ext>
             </a:extLst>
           </p:cNvPr>
@@ -4489,7 +4699,7 @@
           <p:cNvPr id="3" name="Content Placeholder 2">
             <a:extLst>
               <a:ext uri="{FF2B5EF4-FFF2-40B4-BE49-F238E27FC236}">
-                <a16:creationId xmlns:a16="http://schemas.microsoft.com/office/drawing/2014/main" id="{927B7BC8-869C-4385-B471-717D72300F25}"/>
+                <a16:creationId xmlns:a16="http://schemas.microsoft.com/office/drawing/2014/main" id="{50D9106C-B8E8-DB1A-C65B-08F7CBFC5F79}"/>
               </a:ext>
             </a:extLst>
           </p:cNvPr>
@@ -4512,7 +4722,7 @@
     </p:spTree>
     <p:extLst>
       <p:ext uri="{BB962C8B-B14F-4D97-AF65-F5344CB8AC3E}">
-        <p14:creationId xmlns:p14="http://schemas.microsoft.com/office/powerpoint/2010/main" val="750471107"/>
+        <p14:creationId xmlns:p14="http://schemas.microsoft.com/office/powerpoint/2010/main" val="2441536908"/>
       </p:ext>
     </p:extLst>
   </p:cSld>
@@ -4544,7 +4754,7 @@
           <p:cNvPr id="2" name="Title 1">
             <a:extLst>
               <a:ext uri="{FF2B5EF4-FFF2-40B4-BE49-F238E27FC236}">
-                <a16:creationId xmlns:a16="http://schemas.microsoft.com/office/drawing/2014/main" id="{F793D667-4C49-E862-7138-CEFA379442D3}"/>
+                <a16:creationId xmlns:a16="http://schemas.microsoft.com/office/drawing/2014/main" id="{DD5E1851-C12A-4DF7-AF15-25892EFF3CEE}"/>
               </a:ext>
             </a:extLst>
           </p:cNvPr>
@@ -4560,10 +4770,7 @@
           <a:bodyPr/>
           <a:lstStyle/>
           <a:p>
-            <a:r>
-              <a:rPr lang="en-US" dirty="0"/>
-              <a:t>Purchases over $50 are shipped express more than standard shipping</a:t>
-            </a:r>
+            <a:endParaRPr lang="en-US"/>
           </a:p>
         </p:txBody>
       </p:sp>
@@ -4572,7 +4779,7 @@
           <p:cNvPr id="3" name="Content Placeholder 2">
             <a:extLst>
               <a:ext uri="{FF2B5EF4-FFF2-40B4-BE49-F238E27FC236}">
-                <a16:creationId xmlns:a16="http://schemas.microsoft.com/office/drawing/2014/main" id="{9FDDD9A5-5B2F-1F0F-A160-2C96BFD52E5F}"/>
+                <a16:creationId xmlns:a16="http://schemas.microsoft.com/office/drawing/2014/main" id="{927B7BC8-869C-4385-B471-717D72300F25}"/>
               </a:ext>
             </a:extLst>
           </p:cNvPr>
@@ -4595,7 +4802,7 @@
     </p:spTree>
     <p:extLst>
       <p:ext uri="{BB962C8B-B14F-4D97-AF65-F5344CB8AC3E}">
-        <p14:creationId xmlns:p14="http://schemas.microsoft.com/office/powerpoint/2010/main" val="667623768"/>
+        <p14:creationId xmlns:p14="http://schemas.microsoft.com/office/powerpoint/2010/main" val="750471107"/>
       </p:ext>
     </p:extLst>
   </p:cSld>
@@ -4627,7 +4834,7 @@
           <p:cNvPr id="2" name="Title 1">
             <a:extLst>
               <a:ext uri="{FF2B5EF4-FFF2-40B4-BE49-F238E27FC236}">
-                <a16:creationId xmlns:a16="http://schemas.microsoft.com/office/drawing/2014/main" id="{D6AEA568-963C-EE42-16FE-EF76D1837A33}"/>
+                <a16:creationId xmlns:a16="http://schemas.microsoft.com/office/drawing/2014/main" id="{F793D667-4C49-E862-7138-CEFA379442D3}"/>
               </a:ext>
             </a:extLst>
           </p:cNvPr>
@@ -4643,7 +4850,10 @@
           <a:bodyPr/>
           <a:lstStyle/>
           <a:p>
-            <a:endParaRPr lang="en-US"/>
+            <a:r>
+              <a:rPr lang="en-US" dirty="0"/>
+              <a:t>Purchases over $50 are shipped express more than standard shipping</a:t>
+            </a:r>
           </a:p>
         </p:txBody>
       </p:sp>
@@ -4652,7 +4862,7 @@
           <p:cNvPr id="3" name="Content Placeholder 2">
             <a:extLst>
               <a:ext uri="{FF2B5EF4-FFF2-40B4-BE49-F238E27FC236}">
-                <a16:creationId xmlns:a16="http://schemas.microsoft.com/office/drawing/2014/main" id="{11914092-670C-60CC-675D-91994F7C8D33}"/>
+                <a16:creationId xmlns:a16="http://schemas.microsoft.com/office/drawing/2014/main" id="{9FDDD9A5-5B2F-1F0F-A160-2C96BFD52E5F}"/>
               </a:ext>
             </a:extLst>
           </p:cNvPr>
@@ -4675,7 +4885,7 @@
     </p:spTree>
     <p:extLst>
       <p:ext uri="{BB962C8B-B14F-4D97-AF65-F5344CB8AC3E}">
-        <p14:creationId xmlns:p14="http://schemas.microsoft.com/office/powerpoint/2010/main" val="2907592857"/>
+        <p14:creationId xmlns:p14="http://schemas.microsoft.com/office/powerpoint/2010/main" val="667623768"/>
       </p:ext>
     </p:extLst>
   </p:cSld>
@@ -4707,7 +4917,7 @@
           <p:cNvPr id="2" name="Title 1">
             <a:extLst>
               <a:ext uri="{FF2B5EF4-FFF2-40B4-BE49-F238E27FC236}">
-                <a16:creationId xmlns:a16="http://schemas.microsoft.com/office/drawing/2014/main" id="{331DA54E-0B9E-F2D0-4303-CCACD767110A}"/>
+                <a16:creationId xmlns:a16="http://schemas.microsoft.com/office/drawing/2014/main" id="{D6AEA568-963C-EE42-16FE-EF76D1837A33}"/>
               </a:ext>
             </a:extLst>
           </p:cNvPr>
@@ -4732,7 +4942,7 @@
           <p:cNvPr id="3" name="Content Placeholder 2">
             <a:extLst>
               <a:ext uri="{FF2B5EF4-FFF2-40B4-BE49-F238E27FC236}">
-                <a16:creationId xmlns:a16="http://schemas.microsoft.com/office/drawing/2014/main" id="{206D5757-8A61-1E6E-D1BA-16F91E14760A}"/>
+                <a16:creationId xmlns:a16="http://schemas.microsoft.com/office/drawing/2014/main" id="{11914092-670C-60CC-675D-91994F7C8D33}"/>
               </a:ext>
             </a:extLst>
           </p:cNvPr>
@@ -4755,7 +4965,7 @@
     </p:spTree>
     <p:extLst>
       <p:ext uri="{BB962C8B-B14F-4D97-AF65-F5344CB8AC3E}">
-        <p14:creationId xmlns:p14="http://schemas.microsoft.com/office/powerpoint/2010/main" val="468589497"/>
+        <p14:creationId xmlns:p14="http://schemas.microsoft.com/office/powerpoint/2010/main" val="2907592857"/>
       </p:ext>
     </p:extLst>
   </p:cSld>

--- a/Project 1 Presentation.pptx
+++ b/Project 1 Presentation.pptx
@@ -3365,13 +3365,8 @@
           <a:p>
             <a:r>
               <a:rPr lang="en-US" dirty="0"/>
-              <a:t>Shopping </a:t>
-            </a:r>
-            <a:r>
-              <a:rPr lang="en-US" dirty="0" err="1"/>
-              <a:t>Bahaviors</a:t>
-            </a:r>
-            <a:endParaRPr lang="en-US" dirty="0"/>
+              <a:t>Shopping Behaviors</a:t>
+            </a:r>
           </a:p>
         </p:txBody>
       </p:sp>
@@ -3499,7 +3494,10 @@
           <a:bodyPr/>
           <a:lstStyle/>
           <a:p>
-            <a:endParaRPr lang="en-US"/>
+            <a:r>
+              <a:rPr lang="en-US" dirty="0"/>
+              <a:t>Melissa</a:t>
+            </a:r>
           </a:p>
         </p:txBody>
       </p:sp>
@@ -3662,7 +3660,10 @@
           <a:bodyPr/>
           <a:lstStyle/>
           <a:p>
-            <a:endParaRPr lang="en-US"/>
+            <a:r>
+              <a:rPr lang="en-US" dirty="0"/>
+              <a:t>Stephanie</a:t>
+            </a:r>
           </a:p>
         </p:txBody>
       </p:sp>
@@ -3742,7 +3743,10 @@
           <a:bodyPr/>
           <a:lstStyle/>
           <a:p>
-            <a:endParaRPr lang="en-US"/>
+            <a:r>
+              <a:rPr lang="en-US" dirty="0"/>
+              <a:t>Stephanie</a:t>
+            </a:r>
           </a:p>
         </p:txBody>
       </p:sp>
@@ -3905,7 +3909,10 @@
           <a:bodyPr/>
           <a:lstStyle/>
           <a:p>
-            <a:endParaRPr lang="en-US"/>
+            <a:r>
+              <a:rPr lang="en-US" dirty="0"/>
+              <a:t>Johnny</a:t>
+            </a:r>
           </a:p>
         </p:txBody>
       </p:sp>
@@ -3985,7 +3992,10 @@
           <a:bodyPr/>
           <a:lstStyle/>
           <a:p>
-            <a:endParaRPr lang="en-US"/>
+            <a:r>
+              <a:rPr lang="en-US" dirty="0"/>
+              <a:t>Johnny</a:t>
+            </a:r>
           </a:p>
         </p:txBody>
       </p:sp>
@@ -4526,7 +4536,15 @@
           <a:bodyPr/>
           <a:lstStyle/>
           <a:p>
-            <a:endParaRPr lang="en-US"/>
+            <a:r>
+              <a:rPr lang="en-US" dirty="0"/>
+              <a:t>Introduction – </a:t>
+            </a:r>
+            <a:r>
+              <a:rPr lang="en-US" dirty="0" err="1"/>
+              <a:t>Con’t</a:t>
+            </a:r>
+            <a:endParaRPr lang="en-US" dirty="0"/>
           </a:p>
         </p:txBody>
       </p:sp>
@@ -4690,7 +4708,11 @@
           <a:bodyPr/>
           <a:lstStyle/>
           <a:p>
-            <a:endParaRPr lang="en-US"/>
+            <a:r>
+              <a:rPr lang="en-US" dirty="0" err="1"/>
+              <a:t>Abrea</a:t>
+            </a:r>
+            <a:endParaRPr lang="en-US" dirty="0"/>
           </a:p>
         </p:txBody>
       </p:sp>
@@ -4770,7 +4792,11 @@
           <a:bodyPr/>
           <a:lstStyle/>
           <a:p>
-            <a:endParaRPr lang="en-US"/>
+            <a:r>
+              <a:rPr lang="en-US" dirty="0" err="1"/>
+              <a:t>Abrea</a:t>
+            </a:r>
+            <a:endParaRPr lang="en-US" dirty="0"/>
           </a:p>
         </p:txBody>
       </p:sp>
@@ -4852,7 +4878,7 @@
           <a:p>
             <a:r>
               <a:rPr lang="en-US" dirty="0"/>
-              <a:t>Purchases over $50 are shipped express more than standard shipping</a:t>
+              <a:t>Melissa - Purchases over $50 are shipped express more than standard shipping</a:t>
             </a:r>
           </a:p>
         </p:txBody>
@@ -4933,7 +4959,10 @@
           <a:bodyPr/>
           <a:lstStyle/>
           <a:p>
-            <a:endParaRPr lang="en-US"/>
+            <a:r>
+              <a:rPr lang="en-US" dirty="0"/>
+              <a:t>Melissa</a:t>
+            </a:r>
           </a:p>
         </p:txBody>
       </p:sp>
